--- a/architecture.pptx
+++ b/architecture.pptx
@@ -104,6 +104,11 @@
       </a:defRPr>
     </a:lvl9pPr>
   </p:defaultTextStyle>
+  <p:extLst>
+    <p:ext uri="{EFAFB233-063F-42B5-8137-9DF3F51BA10A}">
+      <p15:sldGuideLst xmlns:p15="http://schemas.microsoft.com/office/powerpoint/2012/main"/>
+    </p:ext>
+  </p:extLst>
 </p:presentation>
 </file>
 
@@ -238,7 +243,7 @@
           <a:p>
             <a:fld id="{6825CED6-50C1-4C2A-8EDB-E1F1DF8EF586}" type="datetimeFigureOut">
               <a:rPr lang="en-US" smtClean="0"/>
-              <a:t>5/31/2021</a:t>
+              <a:t>6/2/2021</a:t>
             </a:fld>
             <a:endParaRPr lang="en-US"/>
           </a:p>
@@ -408,7 +413,7 @@
           <a:p>
             <a:fld id="{6825CED6-50C1-4C2A-8EDB-E1F1DF8EF586}" type="datetimeFigureOut">
               <a:rPr lang="en-US" smtClean="0"/>
-              <a:t>5/31/2021</a:t>
+              <a:t>6/2/2021</a:t>
             </a:fld>
             <a:endParaRPr lang="en-US"/>
           </a:p>
@@ -588,7 +593,7 @@
           <a:p>
             <a:fld id="{6825CED6-50C1-4C2A-8EDB-E1F1DF8EF586}" type="datetimeFigureOut">
               <a:rPr lang="en-US" smtClean="0"/>
-              <a:t>5/31/2021</a:t>
+              <a:t>6/2/2021</a:t>
             </a:fld>
             <a:endParaRPr lang="en-US"/>
           </a:p>
@@ -758,7 +763,7 @@
           <a:p>
             <a:fld id="{6825CED6-50C1-4C2A-8EDB-E1F1DF8EF586}" type="datetimeFigureOut">
               <a:rPr lang="en-US" smtClean="0"/>
-              <a:t>5/31/2021</a:t>
+              <a:t>6/2/2021</a:t>
             </a:fld>
             <a:endParaRPr lang="en-US"/>
           </a:p>
@@ -1004,7 +1009,7 @@
           <a:p>
             <a:fld id="{6825CED6-50C1-4C2A-8EDB-E1F1DF8EF586}" type="datetimeFigureOut">
               <a:rPr lang="en-US" smtClean="0"/>
-              <a:t>5/31/2021</a:t>
+              <a:t>6/2/2021</a:t>
             </a:fld>
             <a:endParaRPr lang="en-US"/>
           </a:p>
@@ -1236,7 +1241,7 @@
           <a:p>
             <a:fld id="{6825CED6-50C1-4C2A-8EDB-E1F1DF8EF586}" type="datetimeFigureOut">
               <a:rPr lang="en-US" smtClean="0"/>
-              <a:t>5/31/2021</a:t>
+              <a:t>6/2/2021</a:t>
             </a:fld>
             <a:endParaRPr lang="en-US"/>
           </a:p>
@@ -1603,7 +1608,7 @@
           <a:p>
             <a:fld id="{6825CED6-50C1-4C2A-8EDB-E1F1DF8EF586}" type="datetimeFigureOut">
               <a:rPr lang="en-US" smtClean="0"/>
-              <a:t>5/31/2021</a:t>
+              <a:t>6/2/2021</a:t>
             </a:fld>
             <a:endParaRPr lang="en-US"/>
           </a:p>
@@ -1721,7 +1726,7 @@
           <a:p>
             <a:fld id="{6825CED6-50C1-4C2A-8EDB-E1F1DF8EF586}" type="datetimeFigureOut">
               <a:rPr lang="en-US" smtClean="0"/>
-              <a:t>5/31/2021</a:t>
+              <a:t>6/2/2021</a:t>
             </a:fld>
             <a:endParaRPr lang="en-US"/>
           </a:p>
@@ -1816,7 +1821,7 @@
           <a:p>
             <a:fld id="{6825CED6-50C1-4C2A-8EDB-E1F1DF8EF586}" type="datetimeFigureOut">
               <a:rPr lang="en-US" smtClean="0"/>
-              <a:t>5/31/2021</a:t>
+              <a:t>6/2/2021</a:t>
             </a:fld>
             <a:endParaRPr lang="en-US"/>
           </a:p>
@@ -2093,7 +2098,7 @@
           <a:p>
             <a:fld id="{6825CED6-50C1-4C2A-8EDB-E1F1DF8EF586}" type="datetimeFigureOut">
               <a:rPr lang="en-US" smtClean="0"/>
-              <a:t>5/31/2021</a:t>
+              <a:t>6/2/2021</a:t>
             </a:fld>
             <a:endParaRPr lang="en-US"/>
           </a:p>
@@ -2346,7 +2351,7 @@
           <a:p>
             <a:fld id="{6825CED6-50C1-4C2A-8EDB-E1F1DF8EF586}" type="datetimeFigureOut">
               <a:rPr lang="en-US" smtClean="0"/>
-              <a:t>5/31/2021</a:t>
+              <a:t>6/2/2021</a:t>
             </a:fld>
             <a:endParaRPr lang="en-US"/>
           </a:p>
@@ -2559,7 +2564,7 @@
           <a:p>
             <a:fld id="{6825CED6-50C1-4C2A-8EDB-E1F1DF8EF586}" type="datetimeFigureOut">
               <a:rPr lang="en-US" smtClean="0"/>
-              <a:t>5/31/2021</a:t>
+              <a:t>6/2/2021</a:t>
             </a:fld>
             <a:endParaRPr lang="en-US"/>
           </a:p>
@@ -4090,7 +4095,7 @@
         <p:spPr>
           <a:xfrm>
             <a:off x="9069569" y="2444921"/>
-            <a:ext cx="1141659" cy="369332"/>
+            <a:ext cx="1141659" cy="646331"/>
           </a:xfrm>
           <a:prstGeom prst="rect">
             <a:avLst/>
@@ -4105,7 +4110,17 @@
           <a:p>
             <a:r>
               <a:rPr lang="en-US" dirty="0" smtClean="0"/>
-              <a:t>ML Model</a:t>
+              <a:t>ML </a:t>
+            </a:r>
+            <a:r>
+              <a:rPr lang="en-US" dirty="0" smtClean="0"/>
+              <a:t>Model</a:t>
+            </a:r>
+          </a:p>
+          <a:p>
+            <a:r>
+              <a:rPr lang="en-US" dirty="0" smtClean="0"/>
+              <a:t>   bucket</a:t>
             </a:r>
             <a:endParaRPr lang="en-US" dirty="0"/>
           </a:p>
@@ -4346,8 +4361,8 @@
         </p:nvSpPr>
         <p:spPr>
           <a:xfrm>
-            <a:off x="9271091" y="372291"/>
-            <a:ext cx="2090057" cy="923330"/>
+            <a:off x="9271091" y="442380"/>
+            <a:ext cx="2324402" cy="923330"/>
           </a:xfrm>
           <a:prstGeom prst="rect">
             <a:avLst/>
@@ -4362,7 +4377,15 @@
           <a:p>
             <a:r>
               <a:rPr lang="en-US" dirty="0" smtClean="0"/>
-              <a:t>Save/Update model if its better than latest/prod version</a:t>
+              <a:t>Save/Update model </a:t>
+            </a:r>
+            <a:r>
+              <a:rPr lang="en-US" dirty="0" smtClean="0"/>
+              <a:t>only if </a:t>
+            </a:r>
+            <a:r>
+              <a:rPr lang="en-US" dirty="0" smtClean="0"/>
+              <a:t>its better than latest/prod version</a:t>
             </a:r>
             <a:endParaRPr lang="en-US" dirty="0"/>
           </a:p>
@@ -4438,6 +4461,40 @@
           </a:prstGeom>
         </p:spPr>
       </p:pic>
+      <p:sp>
+        <p:nvSpPr>
+          <p:cNvPr id="39" name="TextBox 38"/>
+          <p:cNvSpPr txBox="1"/>
+          <p:nvPr/>
+        </p:nvSpPr>
+        <p:spPr>
+          <a:xfrm>
+            <a:off x="8655241" y="443286"/>
+            <a:ext cx="758585" cy="369332"/>
+          </a:xfrm>
+          <a:prstGeom prst="rect">
+            <a:avLst/>
+          </a:prstGeom>
+          <a:noFill/>
+        </p:spPr>
+        <p:txBody>
+          <a:bodyPr wrap="square" rtlCol="0">
+            <a:spAutoFit/>
+          </a:bodyPr>
+          <a:lstStyle/>
+          <a:p>
+            <a:r>
+              <a:rPr lang="en-US" b="1" dirty="0" smtClean="0"/>
+              <a:t>Note</a:t>
+            </a:r>
+            <a:r>
+              <a:rPr lang="en-US" dirty="0" smtClean="0"/>
+              <a:t>:</a:t>
+            </a:r>
+            <a:endParaRPr lang="en-US" dirty="0"/>
+          </a:p>
+        </p:txBody>
+      </p:sp>
     </p:spTree>
     <p:extLst>
       <p:ext uri="{BB962C8B-B14F-4D97-AF65-F5344CB8AC3E}">

--- a/architecture.pptx
+++ b/architecture.pptx
@@ -243,7 +243,7 @@
           <a:p>
             <a:fld id="{6825CED6-50C1-4C2A-8EDB-E1F1DF8EF586}" type="datetimeFigureOut">
               <a:rPr lang="en-US" smtClean="0"/>
-              <a:t>6/2/2021</a:t>
+              <a:t>6/3/2021</a:t>
             </a:fld>
             <a:endParaRPr lang="en-US"/>
           </a:p>
@@ -413,7 +413,7 @@
           <a:p>
             <a:fld id="{6825CED6-50C1-4C2A-8EDB-E1F1DF8EF586}" type="datetimeFigureOut">
               <a:rPr lang="en-US" smtClean="0"/>
-              <a:t>6/2/2021</a:t>
+              <a:t>6/3/2021</a:t>
             </a:fld>
             <a:endParaRPr lang="en-US"/>
           </a:p>
@@ -593,7 +593,7 @@
           <a:p>
             <a:fld id="{6825CED6-50C1-4C2A-8EDB-E1F1DF8EF586}" type="datetimeFigureOut">
               <a:rPr lang="en-US" smtClean="0"/>
-              <a:t>6/2/2021</a:t>
+              <a:t>6/3/2021</a:t>
             </a:fld>
             <a:endParaRPr lang="en-US"/>
           </a:p>
@@ -763,7 +763,7 @@
           <a:p>
             <a:fld id="{6825CED6-50C1-4C2A-8EDB-E1F1DF8EF586}" type="datetimeFigureOut">
               <a:rPr lang="en-US" smtClean="0"/>
-              <a:t>6/2/2021</a:t>
+              <a:t>6/3/2021</a:t>
             </a:fld>
             <a:endParaRPr lang="en-US"/>
           </a:p>
@@ -1009,7 +1009,7 @@
           <a:p>
             <a:fld id="{6825CED6-50C1-4C2A-8EDB-E1F1DF8EF586}" type="datetimeFigureOut">
               <a:rPr lang="en-US" smtClean="0"/>
-              <a:t>6/2/2021</a:t>
+              <a:t>6/3/2021</a:t>
             </a:fld>
             <a:endParaRPr lang="en-US"/>
           </a:p>
@@ -1241,7 +1241,7 @@
           <a:p>
             <a:fld id="{6825CED6-50C1-4C2A-8EDB-E1F1DF8EF586}" type="datetimeFigureOut">
               <a:rPr lang="en-US" smtClean="0"/>
-              <a:t>6/2/2021</a:t>
+              <a:t>6/3/2021</a:t>
             </a:fld>
             <a:endParaRPr lang="en-US"/>
           </a:p>
@@ -1608,7 +1608,7 @@
           <a:p>
             <a:fld id="{6825CED6-50C1-4C2A-8EDB-E1F1DF8EF586}" type="datetimeFigureOut">
               <a:rPr lang="en-US" smtClean="0"/>
-              <a:t>6/2/2021</a:t>
+              <a:t>6/3/2021</a:t>
             </a:fld>
             <a:endParaRPr lang="en-US"/>
           </a:p>
@@ -1726,7 +1726,7 @@
           <a:p>
             <a:fld id="{6825CED6-50C1-4C2A-8EDB-E1F1DF8EF586}" type="datetimeFigureOut">
               <a:rPr lang="en-US" smtClean="0"/>
-              <a:t>6/2/2021</a:t>
+              <a:t>6/3/2021</a:t>
             </a:fld>
             <a:endParaRPr lang="en-US"/>
           </a:p>
@@ -1821,7 +1821,7 @@
           <a:p>
             <a:fld id="{6825CED6-50C1-4C2A-8EDB-E1F1DF8EF586}" type="datetimeFigureOut">
               <a:rPr lang="en-US" smtClean="0"/>
-              <a:t>6/2/2021</a:t>
+              <a:t>6/3/2021</a:t>
             </a:fld>
             <a:endParaRPr lang="en-US"/>
           </a:p>
@@ -2098,7 +2098,7 @@
           <a:p>
             <a:fld id="{6825CED6-50C1-4C2A-8EDB-E1F1DF8EF586}" type="datetimeFigureOut">
               <a:rPr lang="en-US" smtClean="0"/>
-              <a:t>6/2/2021</a:t>
+              <a:t>6/3/2021</a:t>
             </a:fld>
             <a:endParaRPr lang="en-US"/>
           </a:p>
@@ -2351,7 +2351,7 @@
           <a:p>
             <a:fld id="{6825CED6-50C1-4C2A-8EDB-E1F1DF8EF586}" type="datetimeFigureOut">
               <a:rPr lang="en-US" smtClean="0"/>
-              <a:t>6/2/2021</a:t>
+              <a:t>6/3/2021</a:t>
             </a:fld>
             <a:endParaRPr lang="en-US"/>
           </a:p>
@@ -2564,7 +2564,7 @@
           <a:p>
             <a:fld id="{6825CED6-50C1-4C2A-8EDB-E1F1DF8EF586}" type="datetimeFigureOut">
               <a:rPr lang="en-US" smtClean="0"/>
-              <a:t>6/2/2021</a:t>
+              <a:t>6/3/2021</a:t>
             </a:fld>
             <a:endParaRPr lang="en-US"/>
           </a:p>
@@ -3950,42 +3950,6 @@
           </a:prstGeom>
         </p:spPr>
       </p:pic>
-      <p:cxnSp>
-        <p:nvCxnSpPr>
-          <p:cNvPr id="71" name="Straight Arrow Connector 70"/>
-          <p:cNvCxnSpPr>
-            <a:stCxn id="15" idx="0"/>
-            <a:endCxn id="65" idx="2"/>
-          </p:cNvCxnSpPr>
-          <p:nvPr/>
-        </p:nvCxnSpPr>
-        <p:spPr>
-          <a:xfrm flipV="1">
-            <a:off x="5040890" y="4016074"/>
-            <a:ext cx="9563" cy="661827"/>
-          </a:xfrm>
-          <a:prstGeom prst="straightConnector1">
-            <a:avLst/>
-          </a:prstGeom>
-          <a:ln w="28575">
-            <a:tailEnd type="triangle" w="med" len="lg"/>
-          </a:ln>
-        </p:spPr>
-        <p:style>
-          <a:lnRef idx="1">
-            <a:schemeClr val="accent1"/>
-          </a:lnRef>
-          <a:fillRef idx="0">
-            <a:schemeClr val="accent1"/>
-          </a:fillRef>
-          <a:effectRef idx="0">
-            <a:schemeClr val="accent1"/>
-          </a:effectRef>
-          <a:fontRef idx="minor">
-            <a:schemeClr val="tx1"/>
-          </a:fontRef>
-        </p:style>
-      </p:cxnSp>
       <p:pic>
         <p:nvPicPr>
           <p:cNvPr id="78" name="Picture 77" descr="Deploy to Google Cloud Platform | GitLab"/>
@@ -4110,11 +4074,7 @@
           <a:p>
             <a:r>
               <a:rPr lang="en-US" dirty="0" smtClean="0"/>
-              <a:t>ML </a:t>
-            </a:r>
-            <a:r>
-              <a:rPr lang="en-US" dirty="0" smtClean="0"/>
-              <a:t>Model</a:t>
+              <a:t>ML Model</a:t>
             </a:r>
           </a:p>
           <a:p>
@@ -4377,15 +4337,7 @@
           <a:p>
             <a:r>
               <a:rPr lang="en-US" dirty="0" smtClean="0"/>
-              <a:t>Save/Update model </a:t>
-            </a:r>
-            <a:r>
-              <a:rPr lang="en-US" dirty="0" smtClean="0"/>
-              <a:t>only if </a:t>
-            </a:r>
-            <a:r>
-              <a:rPr lang="en-US" dirty="0" smtClean="0"/>
-              <a:t>its better than latest/prod version</a:t>
+              <a:t>Save/Update model only if its better than latest/prod version</a:t>
             </a:r>
             <a:endParaRPr lang="en-US" dirty="0"/>
           </a:p>
@@ -4490,6 +4442,226 @@
             <a:r>
               <a:rPr lang="en-US" dirty="0" smtClean="0"/>
               <a:t>:</a:t>
+            </a:r>
+            <a:endParaRPr lang="en-US" dirty="0"/>
+          </a:p>
+        </p:txBody>
+      </p:sp>
+      <p:sp>
+        <p:nvSpPr>
+          <p:cNvPr id="2" name="Oval 1"/>
+          <p:cNvSpPr/>
+          <p:nvPr/>
+        </p:nvSpPr>
+        <p:spPr>
+          <a:xfrm>
+            <a:off x="2560320" y="1085510"/>
+            <a:ext cx="421612" cy="413887"/>
+          </a:xfrm>
+          <a:prstGeom prst="ellipse">
+            <a:avLst/>
+          </a:prstGeom>
+        </p:spPr>
+        <p:style>
+          <a:lnRef idx="2">
+            <a:schemeClr val="accent1">
+              <a:shade val="50000"/>
+            </a:schemeClr>
+          </a:lnRef>
+          <a:fillRef idx="1">
+            <a:schemeClr val="accent1"/>
+          </a:fillRef>
+          <a:effectRef idx="0">
+            <a:schemeClr val="accent1"/>
+          </a:effectRef>
+          <a:fontRef idx="minor">
+            <a:schemeClr val="lt1"/>
+          </a:fontRef>
+        </p:style>
+        <p:txBody>
+          <a:bodyPr rtlCol="0" anchor="ctr"/>
+          <a:lstStyle/>
+          <a:p>
+            <a:pPr algn="ctr"/>
+            <a:r>
+              <a:rPr lang="en-US" dirty="0" smtClean="0"/>
+              <a:t>1</a:t>
+            </a:r>
+            <a:endParaRPr lang="en-US" dirty="0"/>
+          </a:p>
+        </p:txBody>
+      </p:sp>
+      <p:sp>
+        <p:nvSpPr>
+          <p:cNvPr id="41" name="Oval 40"/>
+          <p:cNvSpPr/>
+          <p:nvPr/>
+        </p:nvSpPr>
+        <p:spPr>
+          <a:xfrm>
+            <a:off x="4488715" y="735652"/>
+            <a:ext cx="421612" cy="413887"/>
+          </a:xfrm>
+          <a:prstGeom prst="ellipse">
+            <a:avLst/>
+          </a:prstGeom>
+        </p:spPr>
+        <p:style>
+          <a:lnRef idx="2">
+            <a:schemeClr val="accent1">
+              <a:shade val="50000"/>
+            </a:schemeClr>
+          </a:lnRef>
+          <a:fillRef idx="1">
+            <a:schemeClr val="accent1"/>
+          </a:fillRef>
+          <a:effectRef idx="0">
+            <a:schemeClr val="accent1"/>
+          </a:effectRef>
+          <a:fontRef idx="minor">
+            <a:schemeClr val="lt1"/>
+          </a:fontRef>
+        </p:style>
+        <p:txBody>
+          <a:bodyPr rtlCol="0" anchor="ctr"/>
+          <a:lstStyle/>
+          <a:p>
+            <a:pPr algn="ctr"/>
+            <a:r>
+              <a:rPr lang="en-US" dirty="0" smtClean="0"/>
+              <a:t>2</a:t>
+            </a:r>
+            <a:endParaRPr lang="en-US" dirty="0"/>
+          </a:p>
+        </p:txBody>
+      </p:sp>
+      <p:sp>
+        <p:nvSpPr>
+          <p:cNvPr id="42" name="Oval 41"/>
+          <p:cNvSpPr/>
+          <p:nvPr/>
+        </p:nvSpPr>
+        <p:spPr>
+          <a:xfrm>
+            <a:off x="9524132" y="6182393"/>
+            <a:ext cx="421612" cy="413887"/>
+          </a:xfrm>
+          <a:prstGeom prst="ellipse">
+            <a:avLst/>
+          </a:prstGeom>
+        </p:spPr>
+        <p:style>
+          <a:lnRef idx="2">
+            <a:schemeClr val="accent1">
+              <a:shade val="50000"/>
+            </a:schemeClr>
+          </a:lnRef>
+          <a:fillRef idx="1">
+            <a:schemeClr val="accent1"/>
+          </a:fillRef>
+          <a:effectRef idx="0">
+            <a:schemeClr val="accent1"/>
+          </a:effectRef>
+          <a:fontRef idx="minor">
+            <a:schemeClr val="lt1"/>
+          </a:fontRef>
+        </p:style>
+        <p:txBody>
+          <a:bodyPr rtlCol="0" anchor="ctr"/>
+          <a:lstStyle/>
+          <a:p>
+            <a:pPr algn="ctr"/>
+            <a:r>
+              <a:rPr lang="en-US" dirty="0" smtClean="0"/>
+              <a:t>3</a:t>
+            </a:r>
+            <a:endParaRPr lang="en-US" dirty="0"/>
+          </a:p>
+        </p:txBody>
+      </p:sp>
+      <p:sp>
+        <p:nvSpPr>
+          <p:cNvPr id="44" name="Oval 43"/>
+          <p:cNvSpPr/>
+          <p:nvPr/>
+        </p:nvSpPr>
+        <p:spPr>
+          <a:xfrm>
+            <a:off x="11062114" y="4319100"/>
+            <a:ext cx="669428" cy="330914"/>
+          </a:xfrm>
+          <a:prstGeom prst="ellipse">
+            <a:avLst/>
+          </a:prstGeom>
+        </p:spPr>
+        <p:style>
+          <a:lnRef idx="2">
+            <a:schemeClr val="accent1">
+              <a:shade val="50000"/>
+            </a:schemeClr>
+          </a:lnRef>
+          <a:fillRef idx="1">
+            <a:schemeClr val="accent1"/>
+          </a:fillRef>
+          <a:effectRef idx="0">
+            <a:schemeClr val="accent1"/>
+          </a:effectRef>
+          <a:fontRef idx="minor">
+            <a:schemeClr val="lt1"/>
+          </a:fontRef>
+        </p:style>
+        <p:txBody>
+          <a:bodyPr rtlCol="0" anchor="ctr"/>
+          <a:lstStyle/>
+          <a:p>
+            <a:pPr algn="ctr"/>
+            <a:r>
+              <a:rPr lang="en-US" dirty="0" smtClean="0"/>
+              <a:t>4.1</a:t>
+            </a:r>
+            <a:endParaRPr lang="en-US" dirty="0"/>
+          </a:p>
+        </p:txBody>
+      </p:sp>
+      <p:sp>
+        <p:nvSpPr>
+          <p:cNvPr id="45" name="Oval 44"/>
+          <p:cNvSpPr/>
+          <p:nvPr/>
+        </p:nvSpPr>
+        <p:spPr>
+          <a:xfrm>
+            <a:off x="5724512" y="3192945"/>
+            <a:ext cx="785262" cy="407308"/>
+          </a:xfrm>
+          <a:prstGeom prst="ellipse">
+            <a:avLst/>
+          </a:prstGeom>
+        </p:spPr>
+        <p:style>
+          <a:lnRef idx="2">
+            <a:schemeClr val="accent1">
+              <a:shade val="50000"/>
+            </a:schemeClr>
+          </a:lnRef>
+          <a:fillRef idx="1">
+            <a:schemeClr val="accent1"/>
+          </a:fillRef>
+          <a:effectRef idx="0">
+            <a:schemeClr val="accent1"/>
+          </a:effectRef>
+          <a:fontRef idx="minor">
+            <a:schemeClr val="lt1"/>
+          </a:fontRef>
+        </p:style>
+        <p:txBody>
+          <a:bodyPr rtlCol="0" anchor="ctr"/>
+          <a:lstStyle/>
+          <a:p>
+            <a:pPr algn="ctr"/>
+            <a:r>
+              <a:rPr lang="en-US" dirty="0" smtClean="0"/>
+              <a:t>4.2</a:t>
             </a:r>
             <a:endParaRPr lang="en-US" dirty="0"/>
           </a:p>
